--- a/org.faktorips.doc/schulung/anwendungsentwicklung2/FaktorIPS-Schulung 3-H - Vererbung und Derived Union Beziehungen.pptx
+++ b/org.faktorips.doc/schulung/anwendungsentwicklung2/FaktorIPS-Schulung 3-H - Vererbung und Derived Union Beziehungen.pptx
@@ -1744,7 +1744,7 @@
           <a:p>
             <a:fld id="{BA9A4776-26C8-4AC3-A509-48A97B7DD562}" type="datetime1">
               <a:rPr lang="de-DE" smtClean="0"/>
-              <a:t>17.05.2013</a:t>
+              <a:t>15.04.2015</a:t>
             </a:fld>
             <a:endParaRPr lang="de-DE" dirty="0"/>
           </a:p>
@@ -3077,7 +3077,7 @@
           <a:p>
             <a:fld id="{2F18A5DA-BDA2-40B3-AAE0-BCA91EABDA75}" type="datetime1">
               <a:rPr lang="de-DE" smtClean="0"/>
-              <a:t>17.05.2013</a:t>
+              <a:t>15.04.2015</a:t>
             </a:fld>
             <a:endParaRPr lang="de-DE" dirty="0"/>
           </a:p>
@@ -3274,7 +3274,7 @@
           <a:p>
             <a:fld id="{F6998C3B-B2B2-42D6-A0E1-6B93C3EF0829}" type="datetime1">
               <a:rPr lang="de-DE" smtClean="0"/>
-              <a:t>17.05.2013</a:t>
+              <a:t>15.04.2015</a:t>
             </a:fld>
             <a:endParaRPr lang="de-DE" dirty="0"/>
           </a:p>
@@ -4216,7 +4216,7 @@
           <a:p>
             <a:fld id="{5BA9BDDE-1C78-4845-9E6F-697C00BA3426}" type="datetime1">
               <a:rPr lang="de-DE" smtClean="0"/>
-              <a:t>17.05.2013</a:t>
+              <a:t>15.04.2015</a:t>
             </a:fld>
             <a:endParaRPr lang="de-DE" dirty="0"/>
           </a:p>
@@ -4393,7 +4393,7 @@
           <a:p>
             <a:fld id="{A49BAFB5-2BAC-4726-9798-8AA6D7DA5C9D}" type="datetime1">
               <a:rPr lang="de-DE" smtClean="0"/>
-              <a:t>17.05.2013</a:t>
+              <a:t>15.04.2015</a:t>
             </a:fld>
             <a:endParaRPr lang="de-DE" dirty="0"/>
           </a:p>
@@ -4598,7 +4598,7 @@
           <a:p>
             <a:fld id="{320099E3-E0FF-49A0-A536-0B94DCEBFB40}" type="datetime1">
               <a:rPr lang="de-DE" smtClean="0"/>
-              <a:t>17.05.2013</a:t>
+              <a:t>15.04.2015</a:t>
             </a:fld>
             <a:endParaRPr lang="de-DE" dirty="0"/>
           </a:p>
@@ -4770,7 +4770,7 @@
           <a:p>
             <a:fld id="{E30F3DE2-A718-4CB7-A7F1-9D099B941E0D}" type="datetime1">
               <a:rPr lang="de-DE" smtClean="0"/>
-              <a:t>17.05.2013</a:t>
+              <a:t>15.04.2015</a:t>
             </a:fld>
             <a:endParaRPr lang="de-DE" dirty="0"/>
           </a:p>
@@ -4991,7 +4991,7 @@
           <a:p>
             <a:fld id="{EF99ABBB-D606-4966-9D49-481165B13F71}" type="datetime1">
               <a:rPr lang="de-DE" smtClean="0"/>
-              <a:t>17.05.2013</a:t>
+              <a:t>15.04.2015</a:t>
             </a:fld>
             <a:endParaRPr lang="de-DE" dirty="0"/>
           </a:p>
@@ -5189,7 +5189,7 @@
           <a:p>
             <a:fld id="{18CC1984-03D0-4E14-AFEA-8DAF8EE685C7}" type="datetime1">
               <a:rPr lang="de-DE" smtClean="0"/>
-              <a:t>17.05.2013</a:t>
+              <a:t>15.04.2015</a:t>
             </a:fld>
             <a:endParaRPr lang="de-DE" dirty="0"/>
           </a:p>
@@ -6456,7 +6456,7 @@
           <a:p>
             <a:fld id="{DE2B65B0-A85B-4DD5-B688-AEFF7A37C7D3}" type="datetime1">
               <a:rPr lang="de-DE" smtClean="0"/>
-              <a:t>17.05.2013</a:t>
+              <a:t>15.04.2015</a:t>
             </a:fld>
             <a:endParaRPr lang="de-DE" dirty="0"/>
           </a:p>
@@ -7444,7 +7444,7 @@
           <a:p>
             <a:fld id="{157AAE97-92BF-413C-9760-862A2FB87991}" type="datetime1">
               <a:rPr lang="de-DE" smtClean="0"/>
-              <a:t>17.05.2013</a:t>
+              <a:t>15.04.2015</a:t>
             </a:fld>
             <a:endParaRPr lang="de-DE" dirty="0"/>
           </a:p>
@@ -8015,7 +8015,7 @@
           <a:p>
             <a:fld id="{70DC3303-DEE5-486C-BB81-60DD52AE2A56}" type="datetime1">
               <a:rPr lang="de-DE" smtClean="0"/>
-              <a:t>17.05.2013</a:t>
+              <a:t>15.04.2015</a:t>
             </a:fld>
             <a:endParaRPr lang="de-DE" dirty="0"/>
           </a:p>
@@ -9506,7 +9506,7 @@
           <a:p>
             <a:fld id="{DFDF843D-A3F3-473E-A828-70254B1E9869}" type="datetime1">
               <a:rPr lang="de-DE" smtClean="0"/>
-              <a:t>17.05.2013</a:t>
+              <a:t>15.04.2015</a:t>
             </a:fld>
             <a:endParaRPr lang="de-DE" dirty="0"/>
           </a:p>
@@ -10344,7 +10344,7 @@
                   <a:srgbClr val="FFFFFF"/>
                 </a:solidFill>
               </a:rPr>
-              <a:t>17.05.2013</a:t>
+              <a:t>15.04.2015</a:t>
             </a:fld>
             <a:endParaRPr lang="de-DE" sz="700">
               <a:solidFill>
@@ -11907,7 +11907,7 @@
                   <a:srgbClr val="FFFFFF"/>
                 </a:solidFill>
               </a:rPr>
-              <a:t>17.05.2013</a:t>
+              <a:t>15.04.2015</a:t>
             </a:fld>
             <a:endParaRPr lang="de-DE" dirty="0">
               <a:solidFill>
@@ -12371,7 +12371,7 @@
         </p:blipFill>
         <p:spPr bwMode="auto">
           <a:xfrm>
-            <a:off x="2888111" y="1752525"/>
+            <a:off x="2888111" y="1772816"/>
             <a:ext cx="3196058" cy="452295"/>
           </a:xfrm>
           <a:prstGeom prst="rect">
@@ -13295,7 +13295,7 @@
         </p:blipFill>
         <p:spPr bwMode="auto">
           <a:xfrm>
-            <a:off x="1907704" y="4581128"/>
+            <a:off x="1907704" y="4601419"/>
             <a:ext cx="2428157" cy="468000"/>
           </a:xfrm>
           <a:prstGeom prst="rect">
@@ -13359,7 +13359,7 @@
         </p:blipFill>
         <p:spPr bwMode="auto">
           <a:xfrm>
-            <a:off x="4700128" y="4820131"/>
+            <a:off x="4700127" y="4835419"/>
             <a:ext cx="2428157" cy="468000"/>
           </a:xfrm>
           <a:prstGeom prst="rect">
@@ -13692,7 +13692,133 @@
         <p:cTn id="1" dur="indefinite" restart="never" nodeType="tmRoot">
           <p:childTnLst>
             <p:seq concurrent="1" nextAc="seek">
-              <p:cTn id="2" dur="0" nodeType="mainSeq"/>
+              <p:cTn id="2" dur="indefinite" nodeType="mainSeq">
+                <p:childTnLst>
+                  <p:par>
+                    <p:cTn id="3" fill="hold">
+                      <p:stCondLst>
+                        <p:cond delay="indefinite"/>
+                      </p:stCondLst>
+                      <p:childTnLst>
+                        <p:par>
+                          <p:cTn id="4" fill="hold">
+                            <p:stCondLst>
+                              <p:cond delay="0"/>
+                            </p:stCondLst>
+                            <p:childTnLst>
+                              <p:par>
+                                <p:cTn id="5" presetID="10" presetClass="entr" presetSubtype="0" fill="hold" nodeType="clickEffect">
+                                  <p:stCondLst>
+                                    <p:cond delay="0"/>
+                                  </p:stCondLst>
+                                  <p:childTnLst>
+                                    <p:set>
+                                      <p:cBhvr>
+                                        <p:cTn id="6" dur="1" fill="hold">
+                                          <p:stCondLst>
+                                            <p:cond delay="0"/>
+                                          </p:stCondLst>
+                                        </p:cTn>
+                                        <p:tgtEl>
+                                          <p:spTgt spid="1026"/>
+                                        </p:tgtEl>
+                                        <p:attrNameLst>
+                                          <p:attrName>style.visibility</p:attrName>
+                                        </p:attrNameLst>
+                                      </p:cBhvr>
+                                      <p:to>
+                                        <p:strVal val="visible"/>
+                                      </p:to>
+                                    </p:set>
+                                    <p:animEffect transition="in" filter="fade">
+                                      <p:cBhvr>
+                                        <p:cTn id="7" dur="500"/>
+                                        <p:tgtEl>
+                                          <p:spTgt spid="1026"/>
+                                        </p:tgtEl>
+                                      </p:cBhvr>
+                                    </p:animEffect>
+                                  </p:childTnLst>
+                                </p:cTn>
+                              </p:par>
+                              <p:par>
+                                <p:cTn id="8" presetID="10" presetClass="entr" presetSubtype="0" fill="hold" nodeType="withEffect">
+                                  <p:stCondLst>
+                                    <p:cond delay="0"/>
+                                  </p:stCondLst>
+                                  <p:childTnLst>
+                                    <p:set>
+                                      <p:cBhvr>
+                                        <p:cTn id="9" dur="1" fill="hold">
+                                          <p:stCondLst>
+                                            <p:cond delay="0"/>
+                                          </p:stCondLst>
+                                        </p:cTn>
+                                        <p:tgtEl>
+                                          <p:spTgt spid="23"/>
+                                        </p:tgtEl>
+                                        <p:attrNameLst>
+                                          <p:attrName>style.visibility</p:attrName>
+                                        </p:attrNameLst>
+                                      </p:cBhvr>
+                                      <p:to>
+                                        <p:strVal val="visible"/>
+                                      </p:to>
+                                    </p:set>
+                                    <p:animEffect transition="in" filter="fade">
+                                      <p:cBhvr>
+                                        <p:cTn id="10" dur="500"/>
+                                        <p:tgtEl>
+                                          <p:spTgt spid="23"/>
+                                        </p:tgtEl>
+                                      </p:cBhvr>
+                                    </p:animEffect>
+                                  </p:childTnLst>
+                                </p:cTn>
+                              </p:par>
+                              <p:par>
+                                <p:cTn id="11" presetID="10" presetClass="entr" presetSubtype="0" fill="hold" nodeType="withEffect">
+                                  <p:stCondLst>
+                                    <p:cond delay="0"/>
+                                  </p:stCondLst>
+                                  <p:childTnLst>
+                                    <p:set>
+                                      <p:cBhvr>
+                                        <p:cTn id="12" dur="1" fill="hold">
+                                          <p:stCondLst>
+                                            <p:cond delay="0"/>
+                                          </p:stCondLst>
+                                        </p:cTn>
+                                        <p:tgtEl>
+                                          <p:spTgt spid="24"/>
+                                        </p:tgtEl>
+                                        <p:attrNameLst>
+                                          <p:attrName>style.visibility</p:attrName>
+                                        </p:attrNameLst>
+                                      </p:cBhvr>
+                                      <p:to>
+                                        <p:strVal val="visible"/>
+                                      </p:to>
+                                    </p:set>
+                                    <p:animEffect transition="in" filter="fade">
+                                      <p:cBhvr>
+                                        <p:cTn id="13" dur="500"/>
+                                        <p:tgtEl>
+                                          <p:spTgt spid="24"/>
+                                        </p:tgtEl>
+                                      </p:cBhvr>
+                                    </p:animEffect>
+                                  </p:childTnLst>
+                                </p:cTn>
+                              </p:par>
+                            </p:childTnLst>
+                          </p:cTn>
+                        </p:par>
+                      </p:childTnLst>
+                    </p:cTn>
+                  </p:par>
+                </p:childTnLst>
+              </p:cTn>
               <p:prevCondLst>
                 <p:cond evt="onPrev" delay="0">
                   <p:tgtEl>
@@ -13754,7 +13880,7 @@
                   <a:srgbClr val="FFFFFF"/>
                 </a:solidFill>
               </a:rPr>
-              <a:t>17.05.2013</a:t>
+              <a:t>15.04.2015</a:t>
             </a:fld>
             <a:endParaRPr lang="de-DE" dirty="0">
               <a:solidFill>
@@ -14856,7 +14982,7 @@
             <a:prstDash val="solid"/>
             <a:round/>
             <a:headEnd type="none" w="med" len="med"/>
-            <a:tailEnd type="triangle"/>
+            <a:tailEnd type="triangle" w="lg" len="lg"/>
           </a:ln>
           <a:effectLst/>
         </p:spPr>
@@ -14919,7 +15045,7 @@
             <a:prstDash val="solid"/>
             <a:round/>
             <a:headEnd type="none" w="med" len="med"/>
-            <a:tailEnd type="triangle"/>
+            <a:tailEnd type="triangle" w="lg" len="lg"/>
           </a:ln>
           <a:effectLst/>
         </p:spPr>
@@ -15045,7 +15171,7 @@
             <a:prstDash val="solid"/>
             <a:round/>
             <a:headEnd type="none" w="med" len="med"/>
-            <a:tailEnd type="triangle"/>
+            <a:tailEnd type="triangle" w="lg" len="lg"/>
           </a:ln>
           <a:effectLst/>
         </p:spPr>
@@ -16244,7 +16370,7 @@
                   <a:srgbClr val="FFFFFF"/>
                 </a:solidFill>
               </a:rPr>
-              <a:t>17.05.2013</a:t>
+              <a:t>15.04.2015</a:t>
             </a:fld>
             <a:endParaRPr lang="de-DE" dirty="0">
               <a:solidFill>
@@ -16317,6 +16443,13 @@
   <p:transition spd="slow">
     <p:fade/>
   </p:transition>
+  <p:timing>
+    <p:tnLst>
+      <p:par>
+        <p:cTn id="1" dur="indefinite" restart="never" nodeType="tmRoot"/>
+      </p:par>
+    </p:tnLst>
+  </p:timing>
 </p:sld>
 </file>
 
@@ -16358,7 +16491,7 @@
                   <a:srgbClr val="FFFFFF"/>
                 </a:solidFill>
               </a:rPr>
-              <a:t>17.05.2013</a:t>
+              <a:t>15.04.2015</a:t>
             </a:fld>
             <a:endParaRPr lang="de-DE" dirty="0">
               <a:solidFill>
@@ -17461,7 +17594,7 @@
             <a:prstDash val="solid"/>
             <a:round/>
             <a:headEnd type="none" w="med" len="med"/>
-            <a:tailEnd type="triangle"/>
+            <a:tailEnd type="triangle" w="lg" len="lg"/>
           </a:ln>
           <a:effectLst/>
         </p:spPr>
@@ -17524,7 +17657,7 @@
             <a:prstDash val="solid"/>
             <a:round/>
             <a:headEnd type="none" w="med" len="med"/>
-            <a:tailEnd type="triangle"/>
+            <a:tailEnd type="triangle" w="lg" len="lg"/>
           </a:ln>
           <a:effectLst/>
         </p:spPr>
@@ -17650,7 +17783,7 @@
             <a:prstDash val="solid"/>
             <a:round/>
             <a:headEnd type="none" w="med" len="med"/>
-            <a:tailEnd type="triangle"/>
+            <a:tailEnd type="triangle" w="lg" len="lg"/>
           </a:ln>
           <a:effectLst/>
         </p:spPr>
@@ -19029,7 +19162,100 @@
         <p:cTn id="1" dur="indefinite" restart="never" nodeType="tmRoot">
           <p:childTnLst>
             <p:seq concurrent="1" nextAc="seek">
-              <p:cTn id="2" dur="0" nodeType="mainSeq"/>
+              <p:cTn id="2" dur="0" nodeType="mainSeq">
+                <p:childTnLst>
+                  <p:par>
+                    <p:cTn id="3" fill="hold">
+                      <p:stCondLst>
+                        <p:cond delay="indefinite"/>
+                      </p:stCondLst>
+                      <p:childTnLst>
+                        <p:par>
+                          <p:cTn id="4" fill="hold">
+                            <p:stCondLst>
+                              <p:cond delay="0"/>
+                            </p:stCondLst>
+                            <p:childTnLst>
+                              <p:par>
+                                <p:cTn id="5" presetID="1" presetClass="entr" presetSubtype="0" fill="hold" grpId="0" nodeType="clickEffect">
+                                  <p:stCondLst>
+                                    <p:cond delay="0"/>
+                                  </p:stCondLst>
+                                  <p:childTnLst>
+                                    <p:set>
+                                      <p:cBhvr>
+                                        <p:cTn id="6" dur="1" fill="hold">
+                                          <p:stCondLst>
+                                            <p:cond delay="0"/>
+                                          </p:stCondLst>
+                                        </p:cTn>
+                                        <p:tgtEl>
+                                          <p:spTgt spid="91"/>
+                                        </p:tgtEl>
+                                        <p:attrNameLst>
+                                          <p:attrName>style.visibility</p:attrName>
+                                        </p:attrNameLst>
+                                      </p:cBhvr>
+                                      <p:to>
+                                        <p:strVal val="visible"/>
+                                      </p:to>
+                                    </p:set>
+                                  </p:childTnLst>
+                                </p:cTn>
+                              </p:par>
+                            </p:childTnLst>
+                          </p:cTn>
+                        </p:par>
+                      </p:childTnLst>
+                    </p:cTn>
+                  </p:par>
+                  <p:par>
+                    <p:cTn id="7" fill="hold">
+                      <p:stCondLst>
+                        <p:cond delay="indefinite"/>
+                      </p:stCondLst>
+                      <p:childTnLst>
+                        <p:par>
+                          <p:cTn id="8" fill="hold">
+                            <p:stCondLst>
+                              <p:cond delay="0"/>
+                            </p:stCondLst>
+                            <p:childTnLst>
+                              <p:par>
+                                <p:cTn id="9" presetID="1" presetClass="entr" presetSubtype="0" fill="hold" grpId="0" nodeType="clickEffect">
+                                  <p:stCondLst>
+                                    <p:cond delay="0"/>
+                                  </p:stCondLst>
+                                  <p:childTnLst>
+                                    <p:set>
+                                      <p:cBhvr>
+                                        <p:cTn id="10" dur="1" fill="hold">
+                                          <p:stCondLst>
+                                            <p:cond delay="0"/>
+                                          </p:stCondLst>
+                                        </p:cTn>
+                                        <p:tgtEl>
+                                          <p:spTgt spid="95"/>
+                                        </p:tgtEl>
+                                        <p:attrNameLst>
+                                          <p:attrName>style.visibility</p:attrName>
+                                        </p:attrNameLst>
+                                      </p:cBhvr>
+                                      <p:to>
+                                        <p:strVal val="visible"/>
+                                      </p:to>
+                                    </p:set>
+                                  </p:childTnLst>
+                                </p:cTn>
+                              </p:par>
+                            </p:childTnLst>
+                          </p:cTn>
+                        </p:par>
+                      </p:childTnLst>
+                    </p:cTn>
+                  </p:par>
+                </p:childTnLst>
+              </p:cTn>
               <p:prevCondLst>
                 <p:cond evt="onPrev" delay="0">
                   <p:tgtEl>
@@ -19049,6 +19275,10 @@
         </p:cTn>
       </p:par>
     </p:tnLst>
+    <p:bldLst>
+      <p:bldP spid="91" grpId="0" animBg="1"/>
+      <p:bldP spid="95" grpId="0" animBg="1"/>
+    </p:bldLst>
   </p:timing>
 </p:sld>
 </file>
@@ -19091,7 +19321,7 @@
                   <a:srgbClr val="FFFFFF"/>
                 </a:solidFill>
               </a:rPr>
-              <a:t>17.05.2013</a:t>
+              <a:t>15.04.2015</a:t>
             </a:fld>
             <a:endParaRPr lang="de-DE" dirty="0">
               <a:solidFill>
@@ -20206,7 +20436,7 @@
             <a:prstDash val="solid"/>
             <a:round/>
             <a:headEnd type="none" w="med" len="med"/>
-            <a:tailEnd type="triangle"/>
+            <a:tailEnd type="triangle" w="lg" len="lg"/>
           </a:ln>
           <a:effectLst/>
         </p:spPr>
@@ -20269,7 +20499,7 @@
             <a:prstDash val="solid"/>
             <a:round/>
             <a:headEnd type="none" w="med" len="med"/>
-            <a:tailEnd type="triangle"/>
+            <a:tailEnd type="triangle" w="lg" len="lg"/>
           </a:ln>
           <a:effectLst/>
         </p:spPr>
@@ -20395,7 +20625,7 @@
             <a:prstDash val="solid"/>
             <a:round/>
             <a:headEnd type="none" w="med" len="med"/>
-            <a:tailEnd type="triangle"/>
+            <a:tailEnd type="triangle" w="lg" len="lg"/>
           </a:ln>
           <a:effectLst/>
         </p:spPr>
@@ -21497,8 +21727,8 @@
         </p:nvSpPr>
         <p:spPr bwMode="auto">
           <a:xfrm>
-            <a:off x="2247713" y="3655169"/>
-            <a:ext cx="900100" cy="195814"/>
+            <a:off x="2247712" y="3655169"/>
+            <a:ext cx="1244167" cy="395869"/>
           </a:xfrm>
           <a:prstGeom prst="rect">
             <a:avLst/>
@@ -21650,7 +21880,43 @@
                   <a:srgbClr val="005596"/>
                 </a:solidFill>
               </a:rPr>
-              <a:t>/Deckung {</a:t>
+              <a:t>/Deckung </a:t>
+            </a:r>
+            <a:endParaRPr lang="de-DE" sz="800" dirty="0">
+              <a:solidFill>
+                <a:srgbClr val="005596"/>
+              </a:solidFill>
+            </a:endParaRPr>
+          </a:p>
+          <a:p>
+            <a:pPr eaLnBrk="1" hangingPunct="1">
+              <a:spcAft>
+                <a:spcPts val="600"/>
+              </a:spcAft>
+            </a:pPr>
+            <a:r>
+              <a:rPr lang="de-DE" sz="800" dirty="0" smtClean="0">
+                <a:solidFill>
+                  <a:srgbClr val="005596"/>
+                </a:solidFill>
+              </a:rPr>
+              <a:t>&lt;&lt;</a:t>
+            </a:r>
+            <a:r>
+              <a:rPr lang="de-DE" sz="800" dirty="0" err="1" smtClean="0">
+                <a:solidFill>
+                  <a:srgbClr val="005596"/>
+                </a:solidFill>
+              </a:rPr>
+              <a:t>derived</a:t>
+            </a:r>
+            <a:r>
+              <a:rPr lang="de-DE" sz="800" dirty="0" smtClean="0">
+                <a:solidFill>
+                  <a:srgbClr val="005596"/>
+                </a:solidFill>
+              </a:rPr>
+              <a:t> </a:t>
             </a:r>
             <a:r>
               <a:rPr lang="de-DE" sz="800" dirty="0" err="1" smtClean="0">
@@ -21666,7 +21932,7 @@
                   <a:srgbClr val="005596"/>
                 </a:solidFill>
               </a:rPr>
-              <a:t>}</a:t>
+              <a:t>&gt;&gt;</a:t>
             </a:r>
             <a:endParaRPr lang="de-DE" sz="800" dirty="0">
               <a:solidFill>
@@ -21687,7 +21953,7 @@
         <p:spPr bwMode="auto">
           <a:xfrm>
             <a:off x="5637490" y="3633646"/>
-            <a:ext cx="900100" cy="195814"/>
+            <a:ext cx="1238766" cy="195814"/>
           </a:xfrm>
           <a:prstGeom prst="rect">
             <a:avLst/>
@@ -21834,12 +22100,12 @@
               </a:spcAft>
             </a:pPr>
             <a:r>
-              <a:rPr lang="de-DE" sz="800" dirty="0" err="1">
+              <a:rPr lang="de-DE" sz="800" dirty="0" smtClean="0">
                 <a:solidFill>
                   <a:srgbClr val="005596"/>
                 </a:solidFill>
               </a:rPr>
-              <a:t>s</a:t>
+              <a:t>&lt;&lt;</a:t>
             </a:r>
             <a:r>
               <a:rPr lang="de-DE" sz="800" dirty="0" err="1" smtClean="0">
@@ -21847,7 +22113,7 @@
                   <a:srgbClr val="005596"/>
                 </a:solidFill>
               </a:rPr>
-              <a:t>ubsets</a:t>
+              <a:t>subsets</a:t>
             </a:r>
             <a:r>
               <a:rPr lang="de-DE" sz="800" dirty="0" smtClean="0">
@@ -21855,7 +22121,7 @@
                   <a:srgbClr val="005596"/>
                 </a:solidFill>
               </a:rPr>
-              <a:t> Deckung</a:t>
+              <a:t> Deckung&gt;&gt;</a:t>
             </a:r>
             <a:endParaRPr lang="de-DE" sz="800" dirty="0">
               <a:solidFill>
@@ -21876,7 +22142,7 @@
         <p:spPr bwMode="auto">
           <a:xfrm>
             <a:off x="7585850" y="3643171"/>
-            <a:ext cx="900100" cy="195814"/>
+            <a:ext cx="1305670" cy="195814"/>
           </a:xfrm>
           <a:prstGeom prst="rect">
             <a:avLst/>
@@ -22023,12 +22289,12 @@
               </a:spcAft>
             </a:pPr>
             <a:r>
-              <a:rPr lang="de-DE" sz="800" dirty="0" err="1">
+              <a:rPr lang="de-DE" sz="800" dirty="0" smtClean="0">
                 <a:solidFill>
                   <a:srgbClr val="005596"/>
                 </a:solidFill>
               </a:rPr>
-              <a:t>s</a:t>
+              <a:t>&lt;&lt;</a:t>
             </a:r>
             <a:r>
               <a:rPr lang="de-DE" sz="800" dirty="0" err="1" smtClean="0">
@@ -22036,7 +22302,7 @@
                   <a:srgbClr val="005596"/>
                 </a:solidFill>
               </a:rPr>
-              <a:t>ubsets</a:t>
+              <a:t>subsets</a:t>
             </a:r>
             <a:r>
               <a:rPr lang="de-DE" sz="800" dirty="0" smtClean="0">
@@ -22044,7 +22310,7 @@
                   <a:srgbClr val="005596"/>
                 </a:solidFill>
               </a:rPr>
-              <a:t> Deckung</a:t>
+              <a:t> Deckung&gt;&gt;</a:t>
             </a:r>
             <a:endParaRPr lang="de-DE" sz="800" dirty="0">
               <a:solidFill>
@@ -22161,7 +22427,7 @@
                   <a:srgbClr val="FFFFFF"/>
                 </a:solidFill>
               </a:rPr>
-              <a:t>17.05.2013</a:t>
+              <a:t>15.04.2015</a:t>
             </a:fld>
             <a:endParaRPr lang="de-DE" dirty="0">
               <a:solidFill>
@@ -22338,7 +22604,7 @@
                   <a:srgbClr val="FFFFFF"/>
                 </a:solidFill>
               </a:rPr>
-              <a:t>17.05.2013</a:t>
+              <a:t>15.04.2015</a:t>
             </a:fld>
             <a:endParaRPr lang="de-DE" dirty="0">
               <a:solidFill>
